--- a/Javier-Jordán-ANN/Neural Networks.pptx
+++ b/Javier-Jordán-ANN/Neural Networks.pptx
@@ -29,15 +29,15 @@
   <p:notesSz cx="6858000" cy="9144000"/>
   <p:embeddedFontLst>
     <p:embeddedFont>
-      <p:font typeface="Bebas Neue" charset="0"/>
+      <p:font typeface="Roboto" charset="0"/>
       <p:regular r:id="rId19"/>
+      <p:bold r:id="rId20"/>
+      <p:italic r:id="rId21"/>
+      <p:boldItalic r:id="rId22"/>
     </p:embeddedFont>
     <p:embeddedFont>
-      <p:font typeface="Roboto" charset="0"/>
-      <p:regular r:id="rId20"/>
-      <p:bold r:id="rId21"/>
-      <p:italic r:id="rId22"/>
-      <p:boldItalic r:id="rId23"/>
+      <p:font typeface="Bebas Neue" charset="0"/>
+      <p:regular r:id="rId23"/>
     </p:embeddedFont>
     <p:embeddedFont>
       <p:font typeface="Cambria Math" pitchFamily="18" charset="0"/>
@@ -275,7 +275,7 @@
   </p:defaultTextStyle>
   <p:extLst>
     <p:ext uri="{EFAFB233-063F-42B5-8137-9DF3F51BA10A}">
-      <p15:sldGuideLst xmlns:ahyp="http://schemas.microsoft.com/office/drawing/2018/hyperlinkcolor" xmlns:p15="http://schemas.microsoft.com/office/powerpoint/2012/main" xmlns:p14="http://schemas.microsoft.com/office/powerpoint/2010/main" xmlns:com="http://schemas.openxmlformats.org/drawingml/2006/compatibility" xmlns:pvml="urn:schemas-microsoft-com:office:powerpoint" xmlns:v="urn:schemas-microsoft-com:vml" xmlns:o="urn:schemas-microsoft-com:office:office" xmlns:dgm="http://schemas.openxmlformats.org/drawingml/2006/diagram" xmlns:c="http://schemas.openxmlformats.org/drawingml/2006/chart" xmlns:mv="urn:schemas-microsoft-com:mac:vml" xmlns:mc="http://schemas.openxmlformats.org/markup-compatibility/2006" xmlns="">
+      <p15:sldGuideLst xmlns="" xmlns:mc="http://schemas.openxmlformats.org/markup-compatibility/2006" xmlns:mv="urn:schemas-microsoft-com:mac:vml" xmlns:c="http://schemas.openxmlformats.org/drawingml/2006/chart" xmlns:dgm="http://schemas.openxmlformats.org/drawingml/2006/diagram" xmlns:o="urn:schemas-microsoft-com:office:office" xmlns:v="urn:schemas-microsoft-com:vml" xmlns:pvml="urn:schemas-microsoft-com:office:powerpoint" xmlns:com="http://schemas.openxmlformats.org/drawingml/2006/compatibility" xmlns:p14="http://schemas.microsoft.com/office/powerpoint/2010/main" xmlns:p15="http://schemas.microsoft.com/office/powerpoint/2012/main" xmlns:ahyp="http://schemas.microsoft.com/office/drawing/2018/hyperlinkcolor">
         <p15:guide id="1" orient="horz" pos="340">
           <p15:clr>
             <a:srgbClr val="9AA0A6"/>
@@ -36652,7 +36652,7 @@
   </p:txStyles>
   <p:extLst>
     <p:ext uri="{27BBF7A9-308A-43DC-89C8-2F10F3537804}">
-      <p15:sldGuideLst xmlns:ahyp="http://schemas.microsoft.com/office/drawing/2018/hyperlinkcolor" xmlns:p15="http://schemas.microsoft.com/office/powerpoint/2012/main" xmlns:p14="http://schemas.microsoft.com/office/powerpoint/2010/main" xmlns:com="http://schemas.openxmlformats.org/drawingml/2006/compatibility" xmlns:pvml="urn:schemas-microsoft-com:office:powerpoint" xmlns:v="urn:schemas-microsoft-com:vml" xmlns:o="urn:schemas-microsoft-com:office:office" xmlns:dgm="http://schemas.openxmlformats.org/drawingml/2006/diagram" xmlns:c="http://schemas.openxmlformats.org/drawingml/2006/chart" xmlns:mv="urn:schemas-microsoft-com:mac:vml" xmlns:mc="http://schemas.openxmlformats.org/markup-compatibility/2006" xmlns="">
+      <p15:sldGuideLst xmlns="" xmlns:mc="http://schemas.openxmlformats.org/markup-compatibility/2006" xmlns:mv="urn:schemas-microsoft-com:mac:vml" xmlns:c="http://schemas.openxmlformats.org/drawingml/2006/chart" xmlns:dgm="http://schemas.openxmlformats.org/drawingml/2006/diagram" xmlns:o="urn:schemas-microsoft-com:office:office" xmlns:v="urn:schemas-microsoft-com:vml" xmlns:pvml="urn:schemas-microsoft-com:office:powerpoint" xmlns:com="http://schemas.openxmlformats.org/drawingml/2006/compatibility" xmlns:p14="http://schemas.microsoft.com/office/powerpoint/2010/main" xmlns:p15="http://schemas.microsoft.com/office/powerpoint/2012/main" xmlns:ahyp="http://schemas.microsoft.com/office/drawing/2018/hyperlinkcolor">
         <p15:guide id="1" orient="horz" pos="1620">
           <p15:clr>
             <a:srgbClr val="EA4335"/>
@@ -40970,6 +40970,134 @@
           </a:p>
         </p:txBody>
       </p:sp>
+      <p:pic>
+        <p:nvPicPr>
+          <p:cNvPr id="1026" name="Picture 2"/>
+          <p:cNvPicPr>
+            <a:picLocks noChangeAspect="1" noChangeArrowheads="1"/>
+          </p:cNvPicPr>
+          <p:nvPr/>
+        </p:nvPicPr>
+        <p:blipFill>
+          <a:blip r:embed="rId2">
+            <a:extLst>
+              <a:ext uri="{28A0092B-C50C-407E-A947-70E740481C1C}">
+                <a14:useLocalDpi xmlns:a14="http://schemas.microsoft.com/office/drawing/2010/main" val="0"/>
+              </a:ext>
+            </a:extLst>
+          </a:blip>
+          <a:srcRect/>
+          <a:stretch>
+            <a:fillRect/>
+          </a:stretch>
+        </p:blipFill>
+        <p:spPr bwMode="auto">
+          <a:xfrm>
+            <a:off x="723900" y="1520642"/>
+            <a:ext cx="3549650" cy="2918008"/>
+          </a:xfrm>
+          <a:prstGeom prst="rect">
+            <a:avLst/>
+          </a:prstGeom>
+          <a:noFill/>
+          <a:ln>
+            <a:noFill/>
+          </a:ln>
+          <a:effectLst/>
+          <a:extLst>
+            <a:ext uri="{909E8E84-426E-40DD-AFC4-6F175D3DCCD1}">
+              <a14:hiddenFill xmlns:a14="http://schemas.microsoft.com/office/drawing/2010/main">
+                <a:solidFill>
+                  <a:schemeClr val="accent1"/>
+                </a:solidFill>
+              </a14:hiddenFill>
+            </a:ext>
+            <a:ext uri="{91240B29-F687-4F45-9708-019B960494DF}">
+              <a14:hiddenLine xmlns:a14="http://schemas.microsoft.com/office/drawing/2010/main" w="9525">
+                <a:solidFill>
+                  <a:schemeClr val="tx1"/>
+                </a:solidFill>
+                <a:miter lim="800000"/>
+                <a:headEnd/>
+                <a:tailEnd/>
+              </a14:hiddenLine>
+            </a:ext>
+            <a:ext uri="{AF507438-7753-43E0-B8FC-AC1667EBCBE1}">
+              <a14:hiddenEffects xmlns:a14="http://schemas.microsoft.com/office/drawing/2010/main">
+                <a:effectLst>
+                  <a:outerShdw dist="35921" dir="2700000" algn="ctr" rotWithShape="0">
+                    <a:schemeClr val="bg2"/>
+                  </a:outerShdw>
+                </a:effectLst>
+              </a14:hiddenEffects>
+            </a:ext>
+          </a:extLst>
+        </p:spPr>
+      </p:pic>
+      <p:pic>
+        <p:nvPicPr>
+          <p:cNvPr id="1027" name="Picture 3"/>
+          <p:cNvPicPr>
+            <a:picLocks noChangeAspect="1" noChangeArrowheads="1"/>
+          </p:cNvPicPr>
+          <p:nvPr/>
+        </p:nvPicPr>
+        <p:blipFill>
+          <a:blip r:embed="rId3">
+            <a:extLst>
+              <a:ext uri="{28A0092B-C50C-407E-A947-70E740481C1C}">
+                <a14:useLocalDpi xmlns:a14="http://schemas.microsoft.com/office/drawing/2010/main" val="0"/>
+              </a:ext>
+            </a:extLst>
+          </a:blip>
+          <a:srcRect/>
+          <a:stretch>
+            <a:fillRect/>
+          </a:stretch>
+        </p:blipFill>
+        <p:spPr bwMode="auto">
+          <a:xfrm>
+            <a:off x="4902200" y="1577792"/>
+            <a:ext cx="3175000" cy="2957613"/>
+          </a:xfrm>
+          <a:prstGeom prst="rect">
+            <a:avLst/>
+          </a:prstGeom>
+          <a:noFill/>
+          <a:ln>
+            <a:noFill/>
+          </a:ln>
+          <a:effectLst/>
+          <a:extLst>
+            <a:ext uri="{909E8E84-426E-40DD-AFC4-6F175D3DCCD1}">
+              <a14:hiddenFill xmlns:a14="http://schemas.microsoft.com/office/drawing/2010/main">
+                <a:solidFill>
+                  <a:schemeClr val="accent1"/>
+                </a:solidFill>
+              </a14:hiddenFill>
+            </a:ext>
+            <a:ext uri="{91240B29-F687-4F45-9708-019B960494DF}">
+              <a14:hiddenLine xmlns:a14="http://schemas.microsoft.com/office/drawing/2010/main" w="9525">
+                <a:solidFill>
+                  <a:schemeClr val="tx1"/>
+                </a:solidFill>
+                <a:miter lim="800000"/>
+                <a:headEnd/>
+                <a:tailEnd/>
+              </a14:hiddenLine>
+            </a:ext>
+            <a:ext uri="{AF507438-7753-43E0-B8FC-AC1667EBCBE1}">
+              <a14:hiddenEffects xmlns:a14="http://schemas.microsoft.com/office/drawing/2010/main">
+                <a:effectLst>
+                  <a:outerShdw dist="35921" dir="2700000" algn="ctr" rotWithShape="0">
+                    <a:schemeClr val="bg2"/>
+                  </a:outerShdw>
+                </a:effectLst>
+              </a14:hiddenEffects>
+            </a:ext>
+          </a:extLst>
+        </p:spPr>
+      </p:pic>
     </p:spTree>
     <p:extLst>
       <p:ext uri="{BB962C8B-B14F-4D97-AF65-F5344CB8AC3E}">
@@ -42478,11 +42606,7 @@
             <a:pPr lvl="0" algn="ctr"/>
             <a:r>
               <a:rPr lang="en-US" sz="1400" dirty="0" smtClean="0"/>
-              <a:t>Generate error </a:t>
-            </a:r>
-            <a:r>
-              <a:rPr lang="en-US" sz="1400" dirty="0" smtClean="0"/>
-              <a:t>plots &amp; 3D Graph</a:t>
+              <a:t>Generate error plots &amp; 3D Graph</a:t>
             </a:r>
             <a:endParaRPr dirty="0"/>
           </a:p>
@@ -42797,11 +42921,7 @@
             </a:pPr>
             <a:r>
               <a:rPr lang="en-US" dirty="0" smtClean="0"/>
-              <a:t>When</a:t>
-            </a:r>
-            <a:r>
-              <a:rPr lang="en-US" dirty="0" smtClean="0"/>
-              <a:t> </a:t>
+              <a:t>When </a:t>
             </a:r>
             <a:r>
               <a:rPr lang="en-US" dirty="0"/>
@@ -42942,11 +43062,7 @@
             </a:r>
             <a:r>
               <a:rPr lang="en-US" dirty="0" smtClean="0"/>
-              <a:t>when</a:t>
-            </a:r>
-            <a:r>
-              <a:rPr lang="en-US" dirty="0" smtClean="0"/>
-              <a:t> </a:t>
+              <a:t>when </a:t>
             </a:r>
             <a:r>
               <a:rPr lang="en-US" dirty="0"/>
@@ -42954,15 +43070,7 @@
             </a:r>
             <a:r>
               <a:rPr lang="en-US" dirty="0" smtClean="0"/>
-              <a:t>data. </a:t>
-            </a:r>
-            <a:r>
-              <a:rPr lang="en-US" dirty="0" smtClean="0"/>
-              <a:t>We can visualize this generated data </a:t>
-            </a:r>
-            <a:r>
-              <a:rPr lang="en-US" dirty="0" smtClean="0"/>
-              <a:t>in </a:t>
+              <a:t>data. We can visualize this generated data in </a:t>
             </a:r>
             <a:r>
               <a:rPr lang="en-US" dirty="0"/>
@@ -43346,8 +43454,8 @@
           </a:p>
         </p:txBody>
       </p:sp>
-      <mc:AlternateContent xmlns:mc="http://schemas.openxmlformats.org/markup-compatibility/2006">
-        <mc:Choice xmlns:a14="http://schemas.microsoft.com/office/drawing/2010/main" Requires="a14">
+      <mc:AlternateContent xmlns:mc="http://schemas.openxmlformats.org/markup-compatibility/2006" xmlns:a14="http://schemas.microsoft.com/office/drawing/2010/main">
+        <mc:Choice Requires="a14">
           <p:sp>
             <p:nvSpPr>
               <p:cNvPr id="13" name="12 Marcador de texto"/>
@@ -43373,11 +43481,7 @@
                 </a:pPr>
                 <a:r>
                   <a:rPr lang="en-US" dirty="0" smtClean="0"/>
-                  <a:t>The creation of NN is done in </a:t>
-                </a:r>
-                <a:r>
-                  <a:rPr lang="en-US" dirty="0" smtClean="0"/>
-                  <a:t>the next method from NeuralNetwork.java class in “method” package:</a:t>
+                  <a:t>The creation of NN is done in the next method from NeuralNetwork.java class in “method” package:</a:t>
                 </a:r>
                 <a:r>
                   <a:rPr lang="en-US" dirty="0"/>
@@ -43424,11 +43528,7 @@
                 </a:r>
                 <a:r>
                   <a:rPr lang="en-US" dirty="0" smtClean="0"/>
-                  <a:t>It wa</a:t>
-                </a:r>
-                <a:r>
-                  <a:rPr lang="en-US" dirty="0" smtClean="0"/>
-                  <a:t>s </a:t>
+                  <a:t>It was </a:t>
                 </a:r>
                 <a:r>
                   <a:rPr lang="en-US" dirty="0"/>
@@ -43479,11 +43579,7 @@
                 </a:r>
                 <a:r>
                   <a:rPr lang="en-US" dirty="0" smtClean="0"/>
-                  <a:t>the error we use the </a:t>
-                </a:r>
-                <a:r>
-                  <a:rPr lang="en-US" dirty="0" smtClean="0"/>
-                  <a:t>next method from NeuralNetwork.java </a:t>
+                  <a:t>the error we use the next method from NeuralNetwork.java </a:t>
                 </a:r>
                 <a:r>
                   <a:rPr lang="en-US" dirty="0"/>
@@ -43690,7 +43786,7 @@
             </p:txBody>
           </p:sp>
         </mc:Choice>
-        <mc:Fallback>
+        <mc:Fallback xmlns="">
           <p:sp>
             <p:nvSpPr>
               <p:cNvPr id="13" name="12 Marcador de texto"/>
@@ -44011,11 +44107,7 @@
             </a:pPr>
             <a:r>
               <a:rPr lang="en-US" dirty="0" smtClean="0"/>
-              <a:t>It was</a:t>
-            </a:r>
-            <a:r>
-              <a:rPr lang="en-US" dirty="0" smtClean="0"/>
-              <a:t> </a:t>
+              <a:t>It was </a:t>
             </a:r>
             <a:r>
               <a:rPr lang="en-US" dirty="0"/>

--- a/Javier-Jordán-ANN/Neural Networks.pptx
+++ b/Javier-Jordán-ANN/Neural Networks.pptx
@@ -36,11 +36,11 @@
       <p:boldItalic r:id="rId22"/>
     </p:embeddedFont>
     <p:embeddedFont>
-      <p:font typeface="Bebas Neue" charset="0"/>
+      <p:font typeface="Cambria Math" pitchFamily="18" charset="0"/>
       <p:regular r:id="rId23"/>
     </p:embeddedFont>
     <p:embeddedFont>
-      <p:font typeface="Cambria Math" pitchFamily="18" charset="0"/>
+      <p:font typeface="Bebas Neue" charset="0"/>
       <p:regular r:id="rId24"/>
     </p:embeddedFont>
   </p:embeddedFontLst>
@@ -36858,7 +36858,7 @@
                   <a:schemeClr val="dk1"/>
                 </a:solidFill>
               </a:rPr>
-              <a:t>Rozumovsky</a:t>
+              <a:t>Rozumovskyy</a:t>
             </a:r>
             <a:endParaRPr lang="es-ES" sz="1600" dirty="0" smtClean="0">
               <a:solidFill>
@@ -40972,7 +40972,7 @@
       </p:sp>
       <p:pic>
         <p:nvPicPr>
-          <p:cNvPr id="1026" name="Picture 2"/>
+          <p:cNvPr id="2" name="Picture 2"/>
           <p:cNvPicPr>
             <a:picLocks noChangeAspect="1" noChangeArrowheads="1"/>
           </p:cNvPicPr>
@@ -40993,8 +40993,8 @@
         </p:blipFill>
         <p:spPr bwMode="auto">
           <a:xfrm>
-            <a:off x="723900" y="1520642"/>
-            <a:ext cx="3549650" cy="2918008"/>
+            <a:off x="466366" y="1519935"/>
+            <a:ext cx="3953233" cy="2959100"/>
           </a:xfrm>
           <a:prstGeom prst="rect">
             <a:avLst/>
@@ -41036,7 +41036,7 @@
       </p:pic>
       <p:pic>
         <p:nvPicPr>
-          <p:cNvPr id="1027" name="Picture 3"/>
+          <p:cNvPr id="3" name="Picture 3"/>
           <p:cNvPicPr>
             <a:picLocks noChangeAspect="1" noChangeArrowheads="1"/>
           </p:cNvPicPr>
@@ -41057,8 +41057,8 @@
         </p:blipFill>
         <p:spPr bwMode="auto">
           <a:xfrm>
-            <a:off x="4902200" y="1577792"/>
-            <a:ext cx="3175000" cy="2957613"/>
+            <a:off x="4775199" y="1519935"/>
+            <a:ext cx="3337331" cy="2959100"/>
           </a:xfrm>
           <a:prstGeom prst="rect">
             <a:avLst/>
